--- a/演示文稿1.pptx
+++ b/演示文稿1.pptx
@@ -107,6 +107,11 @@
       </a:defRPr>
     </a:lvl9pPr>
   </p:defaultTextStyle>
+  <p:extLst>
+    <p:ext uri="{EFAFB233-063F-42B5-8137-9DF3F51BA10A}">
+      <p15:sldGuideLst xmlns:p15="http://schemas.microsoft.com/office/powerpoint/2012/main"/>
+    </p:ext>
+  </p:extLst>
 </p:presentation>
 </file>
 
@@ -257,7 +262,7 @@
           <a:p>
             <a:fld id="{B24431A6-D7DE-415E-920D-9FCAB1F9EE35}" type="datetimeFigureOut">
               <a:rPr lang="zh-CN" altLang="en-US" smtClean="0"/>
-              <a:t>2023/4/7</a:t>
+              <a:t>2023/4/11</a:t>
             </a:fld>
             <a:endParaRPr lang="zh-CN" altLang="en-US"/>
           </a:p>
@@ -455,7 +460,7 @@
           <a:p>
             <a:fld id="{B24431A6-D7DE-415E-920D-9FCAB1F9EE35}" type="datetimeFigureOut">
               <a:rPr lang="zh-CN" altLang="en-US" smtClean="0"/>
-              <a:t>2023/4/7</a:t>
+              <a:t>2023/4/11</a:t>
             </a:fld>
             <a:endParaRPr lang="zh-CN" altLang="en-US"/>
           </a:p>
@@ -663,7 +668,7 @@
           <a:p>
             <a:fld id="{B24431A6-D7DE-415E-920D-9FCAB1F9EE35}" type="datetimeFigureOut">
               <a:rPr lang="zh-CN" altLang="en-US" smtClean="0"/>
-              <a:t>2023/4/7</a:t>
+              <a:t>2023/4/11</a:t>
             </a:fld>
             <a:endParaRPr lang="zh-CN" altLang="en-US"/>
           </a:p>
@@ -861,7 +866,7 @@
           <a:p>
             <a:fld id="{B24431A6-D7DE-415E-920D-9FCAB1F9EE35}" type="datetimeFigureOut">
               <a:rPr lang="zh-CN" altLang="en-US" smtClean="0"/>
-              <a:t>2023/4/7</a:t>
+              <a:t>2023/4/11</a:t>
             </a:fld>
             <a:endParaRPr lang="zh-CN" altLang="en-US"/>
           </a:p>
@@ -1136,7 +1141,7 @@
           <a:p>
             <a:fld id="{B24431A6-D7DE-415E-920D-9FCAB1F9EE35}" type="datetimeFigureOut">
               <a:rPr lang="zh-CN" altLang="en-US" smtClean="0"/>
-              <a:t>2023/4/7</a:t>
+              <a:t>2023/4/11</a:t>
             </a:fld>
             <a:endParaRPr lang="zh-CN" altLang="en-US"/>
           </a:p>
@@ -1401,7 +1406,7 @@
           <a:p>
             <a:fld id="{B24431A6-D7DE-415E-920D-9FCAB1F9EE35}" type="datetimeFigureOut">
               <a:rPr lang="zh-CN" altLang="en-US" smtClean="0"/>
-              <a:t>2023/4/7</a:t>
+              <a:t>2023/4/11</a:t>
             </a:fld>
             <a:endParaRPr lang="zh-CN" altLang="en-US"/>
           </a:p>
@@ -1813,7 +1818,7 @@
           <a:p>
             <a:fld id="{B24431A6-D7DE-415E-920D-9FCAB1F9EE35}" type="datetimeFigureOut">
               <a:rPr lang="zh-CN" altLang="en-US" smtClean="0"/>
-              <a:t>2023/4/7</a:t>
+              <a:t>2023/4/11</a:t>
             </a:fld>
             <a:endParaRPr lang="zh-CN" altLang="en-US"/>
           </a:p>
@@ -1954,7 +1959,7 @@
           <a:p>
             <a:fld id="{B24431A6-D7DE-415E-920D-9FCAB1F9EE35}" type="datetimeFigureOut">
               <a:rPr lang="zh-CN" altLang="en-US" smtClean="0"/>
-              <a:t>2023/4/7</a:t>
+              <a:t>2023/4/11</a:t>
             </a:fld>
             <a:endParaRPr lang="zh-CN" altLang="en-US"/>
           </a:p>
@@ -2067,7 +2072,7 @@
           <a:p>
             <a:fld id="{B24431A6-D7DE-415E-920D-9FCAB1F9EE35}" type="datetimeFigureOut">
               <a:rPr lang="zh-CN" altLang="en-US" smtClean="0"/>
-              <a:t>2023/4/7</a:t>
+              <a:t>2023/4/11</a:t>
             </a:fld>
             <a:endParaRPr lang="zh-CN" altLang="en-US"/>
           </a:p>
@@ -2378,7 +2383,7 @@
           <a:p>
             <a:fld id="{B24431A6-D7DE-415E-920D-9FCAB1F9EE35}" type="datetimeFigureOut">
               <a:rPr lang="zh-CN" altLang="en-US" smtClean="0"/>
-              <a:t>2023/4/7</a:t>
+              <a:t>2023/4/11</a:t>
             </a:fld>
             <a:endParaRPr lang="zh-CN" altLang="en-US"/>
           </a:p>
@@ -2666,7 +2671,7 @@
           <a:p>
             <a:fld id="{B24431A6-D7DE-415E-920D-9FCAB1F9EE35}" type="datetimeFigureOut">
               <a:rPr lang="zh-CN" altLang="en-US" smtClean="0"/>
-              <a:t>2023/4/7</a:t>
+              <a:t>2023/4/11</a:t>
             </a:fld>
             <a:endParaRPr lang="zh-CN" altLang="en-US"/>
           </a:p>
@@ -2907,7 +2912,7 @@
           <a:p>
             <a:fld id="{B24431A6-D7DE-415E-920D-9FCAB1F9EE35}" type="datetimeFigureOut">
               <a:rPr lang="zh-CN" altLang="en-US" smtClean="0"/>
-              <a:t>2023/4/7</a:t>
+              <a:t>2023/4/11</a:t>
             </a:fld>
             <a:endParaRPr lang="zh-CN" altLang="en-US"/>
           </a:p>
@@ -3526,8 +3531,38 @@
         </p:blipFill>
         <p:spPr>
           <a:xfrm>
-            <a:off x="2118015" y="2503090"/>
+            <a:off x="1956650" y="656360"/>
             <a:ext cx="7955969" cy="1851820"/>
+          </a:xfrm>
+          <a:prstGeom prst="rect">
+            <a:avLst/>
+          </a:prstGeom>
+        </p:spPr>
+      </p:pic>
+      <p:pic>
+        <p:nvPicPr>
+          <p:cNvPr id="4" name="图片 3">
+            <a:extLst>
+              <a:ext uri="{FF2B5EF4-FFF2-40B4-BE49-F238E27FC236}">
+                <a16:creationId xmlns:a16="http://schemas.microsoft.com/office/drawing/2014/main" id="{4D20F94C-4F73-4F3B-A924-153C63D39B19}"/>
+              </a:ext>
+            </a:extLst>
+          </p:cNvPr>
+          <p:cNvPicPr>
+            <a:picLocks noChangeAspect="1"/>
+          </p:cNvPicPr>
+          <p:nvPr/>
+        </p:nvPicPr>
+        <p:blipFill>
+          <a:blip r:embed="rId3"/>
+          <a:stretch>
+            <a:fillRect/>
+          </a:stretch>
+        </p:blipFill>
+        <p:spPr>
+          <a:xfrm>
+            <a:off x="2377117" y="1279974"/>
+            <a:ext cx="7437765" cy="4298052"/>
           </a:xfrm>
           <a:prstGeom prst="rect">
             <a:avLst/>
